--- a/组会报告/组会20180124.pptx
+++ b/组会报告/组会20180124.pptx
@@ -252,7 +252,7 @@
           <a:p>
             <a:fld id="{B52DF105-2BB0-474D-87AE-CC5127ABD03B}" type="datetimeFigureOut">
               <a:rPr lang="zh-CN" altLang="en-US" smtClean="0"/>
-              <a:t>2018/1/20</a:t>
+              <a:t>2018/1/24</a:t>
             </a:fld>
             <a:endParaRPr lang="zh-CN" altLang="en-US"/>
           </a:p>
@@ -430,7 +430,7 @@
             </a:pPr>
             <a:fld id="{5ACC19A4-4FEE-4FAA-B781-2F0620F1DD9D}" type="datetimeFigureOut">
               <a:rPr lang="zh-CN" altLang="en-US"/>
-              <a:t>2018/1/20</a:t>
+              <a:t>2018/1/24</a:t>
             </a:fld>
             <a:endParaRPr lang="zh-CN" altLang="en-US"/>
           </a:p>
@@ -6888,8 +6888,12 @@
           <a:lstStyle/>
           <a:p>
             <a:r>
-              <a:rPr lang="en-US" altLang="zh-CN" sz="1600"/>
-              <a:t>Problem:The load of the curve doesn't drop in the simulation result.</a:t>
+              <a:rPr lang="en-US" altLang="zh-CN" sz="1600" dirty="0" err="1"/>
+              <a:t>Problem:The</a:t>
+            </a:r>
+            <a:r>
+              <a:rPr lang="en-US" altLang="zh-CN" sz="1600" dirty="0"/>
+              <a:t> load of the curve doesn't drop in the simulation result.</a:t>
             </a:r>
           </a:p>
         </p:txBody>
@@ -7700,7 +7704,7 @@
           <a:graphicData uri="http://schemas.openxmlformats.org/presentationml/2006/ole">
             <mc:AlternateContent xmlns:mc="http://schemas.openxmlformats.org/markup-compatibility/2006">
               <mc:Choice xmlns:v="urn:schemas-microsoft-com:vml" Requires="v">
-                <p:oleObj spid="_x0000_s10274" r:id="rId5" imgW="1320165" imgH="457200" progId="Equation.KSEE3">
+                <p:oleObj spid="_x0000_s10292" r:id="rId5" imgW="1320165" imgH="457200" progId="Equation.KSEE3">
                   <p:embed/>
                 </p:oleObj>
               </mc:Choice>
@@ -7796,7 +7800,7 @@
           <a:graphicData uri="http://schemas.openxmlformats.org/presentationml/2006/ole">
             <mc:AlternateContent xmlns:mc="http://schemas.openxmlformats.org/markup-compatibility/2006">
               <mc:Choice xmlns:v="urn:schemas-microsoft-com:vml" Requires="v">
-                <p:oleObj spid="_x0000_s10275" r:id="rId7" imgW="1714500" imgH="444500" progId="Equation.KSEE3">
+                <p:oleObj spid="_x0000_s10293" r:id="rId7" imgW="1714500" imgH="444500" progId="Equation.KSEE3">
                   <p:embed/>
                 </p:oleObj>
               </mc:Choice>
@@ -8550,7 +8554,7 @@
           <a:graphicData uri="http://schemas.openxmlformats.org/presentationml/2006/ole">
             <mc:AlternateContent xmlns:mc="http://schemas.openxmlformats.org/markup-compatibility/2006">
               <mc:Choice xmlns:v="urn:schemas-microsoft-com:vml" Requires="v">
-                <p:oleObj spid="_x0000_s9289" r:id="rId4" imgW="1270000" imgH="889000" progId="Equation.KSEE3">
+                <p:oleObj spid="_x0000_s9307" r:id="rId4" imgW="1270000" imgH="889000" progId="Equation.KSEE3">
                   <p:embed/>
                 </p:oleObj>
               </mc:Choice>
@@ -8603,7 +8607,7 @@
           <a:graphicData uri="http://schemas.openxmlformats.org/presentationml/2006/ole">
             <mc:AlternateContent xmlns:mc="http://schemas.openxmlformats.org/markup-compatibility/2006">
               <mc:Choice xmlns:v="urn:schemas-microsoft-com:vml" Requires="v">
-                <p:oleObj spid="_x0000_s9290" r:id="rId6" imgW="2705100" imgH="965200" progId="Equation.KSEE3">
+                <p:oleObj spid="_x0000_s9308" r:id="rId6" imgW="2705100" imgH="965200" progId="Equation.KSEE3">
                   <p:embed/>
                 </p:oleObj>
               </mc:Choice>
@@ -8919,7 +8923,7 @@
               </a:rPr>
               <a:t>10  </a:t>
             </a:r>
-            <a:endParaRPr lang="zh-CN" altLang="en-US"/>
+            <a:endParaRPr lang="zh-CN" altLang="en-US" dirty="0"/>
           </a:p>
         </p:txBody>
       </p:sp>
@@ -9085,8 +9089,8 @@
         </p:nvSpPr>
         <p:spPr>
           <a:xfrm>
-            <a:off x="-27940" y="1196752"/>
-            <a:ext cx="9171940" cy="2677656"/>
+            <a:off x="0" y="1052736"/>
+            <a:ext cx="9171940" cy="1969770"/>
           </a:xfrm>
           <a:prstGeom prst="rect">
             <a:avLst/>
@@ -9104,24 +9108,27 @@
               <a:buNone/>
             </a:pPr>
             <a:r>
-              <a:rPr lang="en-US" altLang="zh-CN" sz="2400" dirty="0">
+              <a:rPr lang="en-US" altLang="zh-CN" sz="2000" dirty="0">
                 <a:latin typeface="Times New Roman" panose="02020603050405020304" pitchFamily="18" charset="0"/>
+                <a:cs typeface="Times New Roman" panose="02020603050405020304" pitchFamily="18" charset="0"/>
                 <a:sym typeface="+mn-ea"/>
               </a:rPr>
               <a:t>Conclusions</a:t>
             </a:r>
             <a:r>
-              <a:rPr lang="zh-CN" altLang="en-US" sz="2400" dirty="0" smtClean="0">
+              <a:rPr lang="zh-CN" altLang="en-US" sz="2000" dirty="0" smtClean="0">
                 <a:latin typeface="Times New Roman" panose="02020603050405020304" pitchFamily="18" charset="0"/>
+                <a:cs typeface="Times New Roman" panose="02020603050405020304" pitchFamily="18" charset="0"/>
                 <a:sym typeface="+mn-ea"/>
               </a:rPr>
               <a:t>：</a:t>
             </a:r>
-            <a:endParaRPr lang="zh-CN" altLang="en-US" sz="2400" dirty="0">
+            <a:endParaRPr lang="zh-CN" altLang="en-US" sz="2000" dirty="0">
               <a:solidFill>
                 <a:srgbClr val="000000"/>
               </a:solidFill>
               <a:latin typeface="Times New Roman" panose="02020603050405020304" pitchFamily="18" charset="0"/>
+              <a:cs typeface="Times New Roman" panose="02020603050405020304" pitchFamily="18" charset="0"/>
               <a:sym typeface="+mn-ea"/>
             </a:endParaRPr>
           </a:p>
@@ -9134,7 +9141,7 @@
               <a:buNone/>
             </a:pPr>
             <a:r>
-              <a:rPr lang="en-US" altLang="zh-CN" sz="1600" dirty="0" smtClean="0">
+              <a:rPr lang="en-US" altLang="zh-CN" sz="1400" dirty="0" smtClean="0">
                 <a:latin typeface="Times New Roman" panose="02020603050405020304" pitchFamily="18" charset="0"/>
                 <a:ea typeface="+mn-ea"/>
                 <a:sym typeface="+mn-ea"/>
@@ -9142,7 +9149,7 @@
               <a:t>1</a:t>
             </a:r>
             <a:r>
-              <a:rPr lang="zh-CN" altLang="en-US" sz="1600" dirty="0" smtClean="0">
+              <a:rPr lang="zh-CN" altLang="en-US" sz="1400" dirty="0" smtClean="0">
                 <a:solidFill>
                   <a:schemeClr val="tx1"/>
                 </a:solidFill>
@@ -9153,7 +9160,7 @@
               <a:t>、</a:t>
             </a:r>
             <a:r>
-              <a:rPr lang="en-US" sz="1600" dirty="0">
+              <a:rPr lang="en-US" sz="1400" dirty="0">
                 <a:solidFill>
                   <a:schemeClr val="tx1"/>
                 </a:solidFill>
@@ -9164,7 +9171,7 @@
               <a:t>The simulation using the</a:t>
             </a:r>
             <a:r>
-              <a:rPr lang="en-US" sz="1600" dirty="0">
+              <a:rPr lang="en-US" sz="1400" dirty="0">
                 <a:solidFill>
                   <a:srgbClr val="3A70C0"/>
                 </a:solidFill>
@@ -9175,7 +9182,7 @@
               <a:t> </a:t>
             </a:r>
             <a:r>
-              <a:rPr lang="en-US" sz="1600" b="1" dirty="0">
+              <a:rPr lang="en-US" sz="1400" b="1" dirty="0">
                 <a:solidFill>
                   <a:srgbClr val="0000FF"/>
                 </a:solidFill>
@@ -9186,7 +9193,7 @@
               <a:t>c</a:t>
             </a:r>
             <a:r>
-              <a:rPr lang="en-US" altLang="zh-CN" sz="1600" b="1" dirty="0" smtClean="0">
+              <a:rPr lang="en-US" altLang="zh-CN" sz="1400" b="1" dirty="0" smtClean="0">
                 <a:solidFill>
                   <a:srgbClr val="0000FF"/>
                 </a:solidFill>
@@ -9198,7 +9205,7 @@
               <a:t>ontinuum </a:t>
             </a:r>
             <a:r>
-              <a:rPr lang="en-US" altLang="zh-CN" sz="1600" b="1" dirty="0">
+              <a:rPr lang="en-US" altLang="zh-CN" sz="1400" b="1" dirty="0">
                 <a:solidFill>
                   <a:srgbClr val="0000FF"/>
                 </a:solidFill>
@@ -9210,7 +9217,7 @@
               <a:t>d</a:t>
             </a:r>
             <a:r>
-              <a:rPr lang="en-US" altLang="zh-CN" sz="1600" b="1" dirty="0" smtClean="0">
+              <a:rPr lang="en-US" altLang="zh-CN" sz="1400" b="1" dirty="0" smtClean="0">
                 <a:solidFill>
                   <a:srgbClr val="0000FF"/>
                 </a:solidFill>
@@ -9222,7 +9229,7 @@
               <a:t>amage </a:t>
             </a:r>
             <a:r>
-              <a:rPr lang="en-US" altLang="zh-CN" sz="1600" b="1" dirty="0">
+              <a:rPr lang="en-US" altLang="zh-CN" sz="1400" b="1" dirty="0">
                 <a:solidFill>
                   <a:srgbClr val="0000FF"/>
                 </a:solidFill>
@@ -9234,7 +9241,7 @@
               <a:t>m</a:t>
             </a:r>
             <a:r>
-              <a:rPr lang="en-US" altLang="zh-CN" sz="1600" b="1" dirty="0" smtClean="0">
+              <a:rPr lang="en-US" altLang="zh-CN" sz="1400" b="1" dirty="0" smtClean="0">
                 <a:solidFill>
                   <a:srgbClr val="0000FF"/>
                 </a:solidFill>
@@ -9246,7 +9253,7 @@
               <a:t>odel</a:t>
             </a:r>
             <a:r>
-              <a:rPr lang="en-US" sz="1600" dirty="0" smtClean="0">
+              <a:rPr lang="en-US" sz="1400" dirty="0" smtClean="0">
                 <a:solidFill>
                   <a:srgbClr val="0000FF"/>
                 </a:solidFill>
@@ -9257,7 +9264,7 @@
               <a:t> </a:t>
             </a:r>
             <a:r>
-              <a:rPr lang="en-US" sz="1600" dirty="0">
+              <a:rPr lang="en-US" sz="1400" dirty="0">
                 <a:solidFill>
                   <a:schemeClr val="tx1"/>
                 </a:solidFill>
@@ -9268,7 +9275,7 @@
               <a:t>exhibit the</a:t>
             </a:r>
             <a:r>
-              <a:rPr lang="en-US" sz="1600" b="1" dirty="0">
+              <a:rPr lang="en-US" sz="1400" b="1" dirty="0">
                 <a:solidFill>
                   <a:srgbClr val="0000FF"/>
                 </a:solidFill>
@@ -9279,7 +9286,7 @@
               <a:t> brittle failure</a:t>
             </a:r>
             <a:r>
-              <a:rPr lang="en-US" sz="1600" dirty="0">
+              <a:rPr lang="en-US" sz="1400" dirty="0">
                 <a:solidFill>
                   <a:schemeClr val="tx1"/>
                 </a:solidFill>
@@ -9290,7 +9297,7 @@
               <a:t> of the composite laminates as the experiment </a:t>
             </a:r>
             <a:r>
-              <a:rPr lang="en-US" sz="1600" dirty="0" smtClean="0">
+              <a:rPr lang="en-US" sz="1400" dirty="0" smtClean="0">
                 <a:solidFill>
                   <a:schemeClr val="tx1"/>
                 </a:solidFill>
@@ -9301,7 +9308,7 @@
               <a:t>shows, </a:t>
             </a:r>
             <a:r>
-              <a:rPr lang="en-US" sz="1600" dirty="0" smtClean="0">
+              <a:rPr lang="en-US" sz="1400" dirty="0" smtClean="0">
                 <a:latin typeface="Times New Roman" panose="02020603050405020304" pitchFamily="18" charset="0"/>
                 <a:ea typeface="+mn-ea"/>
                 <a:sym typeface="+mn-ea"/>
@@ -9309,7 +9316,7 @@
               <a:t>it also</a:t>
             </a:r>
             <a:r>
-              <a:rPr lang="en-US" sz="1600" b="1" dirty="0">
+              <a:rPr lang="en-US" sz="1400" b="1" dirty="0">
                 <a:solidFill>
                   <a:srgbClr val="0000FF"/>
                 </a:solidFill>
@@ -9321,7 +9328,7 @@
               <a:t> </a:t>
             </a:r>
             <a:r>
-              <a:rPr lang="en-US" sz="1600" dirty="0" smtClean="0">
+              <a:rPr lang="en-US" sz="1400" dirty="0" smtClean="0">
                 <a:solidFill>
                   <a:schemeClr val="tx1"/>
                 </a:solidFill>
@@ -9331,7 +9338,7 @@
               <a:t>preforms </a:t>
             </a:r>
             <a:r>
-              <a:rPr lang="en-US" sz="1600" dirty="0">
+              <a:rPr lang="en-US" sz="1400" dirty="0">
                 <a:solidFill>
                   <a:schemeClr val="tx1"/>
                 </a:solidFill>
@@ -9341,7 +9348,7 @@
               <a:t>well for predicting the</a:t>
             </a:r>
             <a:r>
-              <a:rPr lang="en-US" sz="1600" b="1" dirty="0">
+              <a:rPr lang="en-US" sz="1400" b="1" dirty="0">
                 <a:solidFill>
                   <a:srgbClr val="0000FF"/>
                 </a:solidFill>
@@ -9351,7 +9358,7 @@
               <a:t> failure evolution behavior</a:t>
             </a:r>
             <a:r>
-              <a:rPr lang="en-US" sz="1600" b="1" dirty="0">
+              <a:rPr lang="en-US" sz="1400" b="1" dirty="0">
                 <a:solidFill>
                   <a:schemeClr val="tx1"/>
                 </a:solidFill>
@@ -9361,7 +9368,7 @@
               <a:t> </a:t>
             </a:r>
             <a:r>
-              <a:rPr lang="en-US" sz="1600" dirty="0">
+              <a:rPr lang="en-US" sz="1400" dirty="0">
                 <a:solidFill>
                   <a:schemeClr val="tx1"/>
                 </a:solidFill>
@@ -9380,14 +9387,14 @@
               <a:buNone/>
             </a:pPr>
             <a:r>
-              <a:rPr lang="en-US" altLang="zh-CN" sz="1600" dirty="0">
+              <a:rPr lang="en-US" altLang="zh-CN" sz="1400" dirty="0">
                 <a:latin typeface="Times New Roman" panose="02020603050405020304" pitchFamily="18" charset="0"/>
                 <a:ea typeface="+mn-ea"/>
               </a:rPr>
               <a:t>2</a:t>
             </a:r>
             <a:r>
-              <a:rPr lang="zh-CN" altLang="en-US" sz="1600" dirty="0" smtClean="0">
+              <a:rPr lang="zh-CN" altLang="en-US" sz="1400" dirty="0" smtClean="0">
                 <a:solidFill>
                   <a:schemeClr val="tx1"/>
                 </a:solidFill>
@@ -9397,7 +9404,7 @@
               <a:t>、</a:t>
             </a:r>
             <a:r>
-              <a:rPr lang="en-US" altLang="zh-CN" sz="1600" dirty="0" smtClean="0">
+              <a:rPr lang="en-US" altLang="zh-CN" sz="1400" dirty="0" smtClean="0">
                 <a:solidFill>
                   <a:schemeClr val="tx1"/>
                 </a:solidFill>
@@ -9407,7 +9414,7 @@
               <a:t>The</a:t>
             </a:r>
             <a:r>
-              <a:rPr lang="en-US" altLang="zh-CN" sz="1600" b="1" dirty="0" smtClean="0">
+              <a:rPr lang="en-US" altLang="zh-CN" sz="1400" b="1" dirty="0" smtClean="0">
                 <a:solidFill>
                   <a:schemeClr val="tx1"/>
                 </a:solidFill>
@@ -9417,7 +9424,7 @@
               <a:t> </a:t>
             </a:r>
             <a:r>
-              <a:rPr lang="en-US" altLang="zh-CN" sz="1600" b="1" dirty="0" smtClean="0">
+              <a:rPr lang="en-US" altLang="zh-CN" sz="1400" b="1" dirty="0" smtClean="0">
                 <a:solidFill>
                   <a:srgbClr val="0000FF"/>
                 </a:solidFill>
@@ -9427,7 +9434,7 @@
               <a:t>exponential degeneration</a:t>
             </a:r>
             <a:r>
-              <a:rPr lang="en-US" altLang="zh-CN" sz="1600" dirty="0" smtClean="0">
+              <a:rPr lang="en-US" altLang="zh-CN" sz="1400" dirty="0" smtClean="0">
                 <a:solidFill>
                   <a:schemeClr val="tx1"/>
                 </a:solidFill>
@@ -9437,7 +9444,7 @@
               <a:t> law performs better than</a:t>
             </a:r>
             <a:r>
-              <a:rPr lang="en-US" altLang="zh-CN" sz="1600" b="1" dirty="0" smtClean="0">
+              <a:rPr lang="en-US" altLang="zh-CN" sz="1400" b="1" dirty="0" smtClean="0">
                 <a:solidFill>
                   <a:srgbClr val="0000FF"/>
                 </a:solidFill>
@@ -9447,7 +9454,7 @@
               <a:t> linear </a:t>
             </a:r>
             <a:r>
-              <a:rPr lang="en-US" altLang="zh-CN" sz="1600" b="1" dirty="0" smtClean="0">
+              <a:rPr lang="en-US" altLang="zh-CN" sz="1400" b="1" dirty="0" smtClean="0">
                 <a:solidFill>
                   <a:srgbClr val="0000FF"/>
                 </a:solidFill>
@@ -9458,7 +9465,7 @@
               <a:t>degeneration</a:t>
             </a:r>
             <a:r>
-              <a:rPr lang="en-US" altLang="zh-CN" sz="1600" dirty="0" smtClean="0">
+              <a:rPr lang="en-US" altLang="zh-CN" sz="1400" dirty="0" smtClean="0">
                 <a:solidFill>
                   <a:schemeClr val="tx1"/>
                 </a:solidFill>
@@ -9478,14 +9485,14 @@
               <a:buNone/>
             </a:pPr>
             <a:r>
-              <a:rPr lang="en-US" altLang="zh-CN" sz="1600" dirty="0">
+              <a:rPr lang="en-US" altLang="zh-CN" sz="1400" dirty="0">
                 <a:latin typeface="Times New Roman" panose="02020603050405020304" pitchFamily="18" charset="0"/>
                 <a:ea typeface="+mn-ea"/>
               </a:rPr>
               <a:t>3</a:t>
             </a:r>
             <a:r>
-              <a:rPr lang="zh-CN" altLang="en-US" sz="1600" dirty="0" smtClean="0">
+              <a:rPr lang="zh-CN" altLang="en-US" sz="1400" dirty="0" smtClean="0">
                 <a:solidFill>
                   <a:schemeClr val="tx1"/>
                 </a:solidFill>
@@ -9495,7 +9502,7 @@
               <a:t>、</a:t>
             </a:r>
             <a:r>
-              <a:rPr lang="en-US" altLang="zh-CN" sz="1600" dirty="0" smtClean="0">
+              <a:rPr lang="en-US" altLang="zh-CN" sz="1400" dirty="0" smtClean="0">
                 <a:solidFill>
                   <a:schemeClr val="tx1"/>
                 </a:solidFill>
@@ -9505,7 +9512,7 @@
               <a:t>The</a:t>
             </a:r>
             <a:r>
-              <a:rPr lang="en-US" altLang="zh-CN" sz="1600" dirty="0" smtClean="0">
+              <a:rPr lang="en-US" altLang="zh-CN" sz="1400" dirty="0" smtClean="0">
                 <a:solidFill>
                   <a:srgbClr val="0000FF"/>
                 </a:solidFill>
@@ -9515,7 +9522,7 @@
               <a:t> </a:t>
             </a:r>
             <a:r>
-              <a:rPr lang="en-US" altLang="zh-CN" sz="1600" b="1" dirty="0" smtClean="0">
+              <a:rPr lang="en-US" altLang="zh-CN" sz="1400" b="1" dirty="0" smtClean="0">
                 <a:solidFill>
                   <a:srgbClr val="0000FF"/>
                 </a:solidFill>
@@ -9525,7 +9532,7 @@
               <a:t>shear nonlinearity</a:t>
             </a:r>
             <a:r>
-              <a:rPr lang="en-US" altLang="zh-CN" sz="1600" dirty="0" smtClean="0">
+              <a:rPr lang="en-US" altLang="zh-CN" sz="1400" dirty="0" smtClean="0">
                 <a:solidFill>
                   <a:srgbClr val="0000FF"/>
                 </a:solidFill>
@@ -9535,7 +9542,7 @@
               <a:t> </a:t>
             </a:r>
             <a:r>
-              <a:rPr lang="en-US" altLang="zh-CN" sz="1600" dirty="0" smtClean="0">
+              <a:rPr lang="en-US" altLang="zh-CN" sz="1400" dirty="0" smtClean="0">
                 <a:solidFill>
                   <a:schemeClr val="tx1"/>
                 </a:solidFill>
@@ -9545,7 +9552,7 @@
               <a:t>must be considered for the </a:t>
             </a:r>
             <a:r>
-              <a:rPr lang="en-US" altLang="zh-CN" sz="1600" kern="100" dirty="0">
+              <a:rPr lang="en-US" altLang="zh-CN" sz="1400" kern="100" dirty="0">
                 <a:solidFill>
                   <a:schemeClr val="tx1"/>
                 </a:solidFill>
@@ -9556,7 +9563,7 @@
               <a:t>[</a:t>
             </a:r>
             <a:r>
-              <a:rPr lang="en-US" sz="1600" kern="100" dirty="0">
+              <a:rPr lang="en-US" sz="1400" kern="100" dirty="0">
                 <a:solidFill>
                   <a:schemeClr val="tx1"/>
                 </a:solidFill>
@@ -9568,7 +9575,7 @@
               <a:t>±45]</a:t>
             </a:r>
             <a:r>
-              <a:rPr lang="en-US" sz="1600" kern="100" baseline="-25000" dirty="0">
+              <a:rPr lang="en-US" sz="1400" kern="100" baseline="-25000" dirty="0">
                 <a:solidFill>
                   <a:schemeClr val="tx1"/>
                 </a:solidFill>
@@ -9580,7 +9587,7 @@
               <a:t>5 </a:t>
             </a:r>
             <a:r>
-              <a:rPr lang="en-US" altLang="zh-CN" sz="1600" dirty="0" smtClean="0">
+              <a:rPr lang="en-US" altLang="zh-CN" sz="1400" dirty="0" smtClean="0">
                 <a:solidFill>
                   <a:schemeClr val="tx1"/>
                 </a:solidFill>
@@ -9600,14 +9607,14 @@
               <a:buNone/>
             </a:pPr>
             <a:r>
-              <a:rPr lang="en-US" altLang="zh-CN" sz="1600" dirty="0">
+              <a:rPr lang="en-US" altLang="zh-CN" sz="1400" dirty="0">
                 <a:latin typeface="Times New Roman" panose="02020603050405020304" pitchFamily="18" charset="0"/>
                 <a:ea typeface="+mn-ea"/>
               </a:rPr>
               <a:t>4</a:t>
             </a:r>
             <a:r>
-              <a:rPr lang="zh-CN" altLang="en-US" sz="1600" dirty="0" smtClean="0">
+              <a:rPr lang="zh-CN" altLang="en-US" sz="1400" dirty="0" smtClean="0">
                 <a:solidFill>
                   <a:schemeClr val="tx1"/>
                 </a:solidFill>
@@ -9617,7 +9624,7 @@
               <a:t>、</a:t>
             </a:r>
             <a:r>
-              <a:rPr lang="en-US" altLang="zh-CN" sz="1600" dirty="0" smtClean="0">
+              <a:rPr lang="en-US" altLang="zh-CN" sz="1400" dirty="0" smtClean="0">
                 <a:solidFill>
                   <a:schemeClr val="tx1"/>
                 </a:solidFill>
@@ -9627,7 +9634,7 @@
               <a:t>The</a:t>
             </a:r>
             <a:r>
-              <a:rPr lang="en-US" altLang="zh-CN" sz="1600" b="1" dirty="0" smtClean="0">
+              <a:rPr lang="en-US" altLang="zh-CN" sz="1400" b="1" dirty="0" smtClean="0">
                 <a:solidFill>
                   <a:schemeClr val="tx1"/>
                 </a:solidFill>
@@ -9637,7 +9644,7 @@
               <a:t> </a:t>
             </a:r>
             <a:r>
-              <a:rPr lang="en-US" altLang="zh-CN" sz="1600" b="1" dirty="0" smtClean="0">
+              <a:rPr lang="en-US" altLang="zh-CN" sz="1400" b="1" dirty="0" smtClean="0">
                 <a:solidFill>
                   <a:srgbClr val="0000FF"/>
                 </a:solidFill>
@@ -9647,7 +9654,7 @@
               <a:t>in-situ effect</a:t>
             </a:r>
             <a:r>
-              <a:rPr lang="en-US" altLang="zh-CN" sz="1600" dirty="0" smtClean="0">
+              <a:rPr lang="en-US" altLang="zh-CN" sz="1400" dirty="0" smtClean="0">
                 <a:solidFill>
                   <a:srgbClr val="0000FF"/>
                 </a:solidFill>
@@ -9657,7 +9664,7 @@
               <a:t> </a:t>
             </a:r>
             <a:r>
-              <a:rPr lang="en-US" altLang="zh-CN" sz="1600" dirty="0" smtClean="0">
+              <a:rPr lang="en-US" altLang="zh-CN" sz="1400" dirty="0" smtClean="0">
                 <a:solidFill>
                   <a:schemeClr val="tx1"/>
                 </a:solidFill>
@@ -9667,7 +9674,7 @@
               <a:t>should be considered,the strength should be calculated </a:t>
             </a:r>
             <a:r>
-              <a:rPr lang="en-US" altLang="zh-CN" sz="1600" dirty="0" smtClean="0">
+              <a:rPr lang="en-US" altLang="zh-CN" sz="1400" dirty="0" smtClean="0">
                 <a:solidFill>
                   <a:schemeClr val="tx1"/>
                 </a:solidFill>
@@ -9678,45 +9685,28 @@
               <a:t>respectively </a:t>
             </a:r>
             <a:r>
-              <a:rPr lang="en-US" altLang="zh-CN" sz="1600" dirty="0" smtClean="0">
+              <a:rPr lang="en-US" altLang="zh-CN" sz="1400" dirty="0" smtClean="0">
                 <a:solidFill>
                   <a:schemeClr val="tx1"/>
                 </a:solidFill>
                 <a:latin typeface="Times New Roman" panose="02020603050405020304" pitchFamily="18" charset="0"/>
                 <a:ea typeface="+mn-ea"/>
               </a:rPr>
-              <a:t>for each layup of the laminates</a:t>
-            </a:r>
-            <a:r>
-              <a:rPr lang="en-US" altLang="zh-CN" sz="1600" dirty="0" smtClean="0">
-                <a:solidFill>
-                  <a:schemeClr val="tx1"/>
-                </a:solidFill>
-                <a:latin typeface="Times New Roman" panose="02020603050405020304" pitchFamily="18" charset="0"/>
-                <a:ea typeface="+mn-ea"/>
-              </a:rPr>
-              <a:t>.</a:t>
-            </a:r>
-            <a:endParaRPr lang="en-US" altLang="zh-CN" sz="1600" dirty="0" smtClean="0">
-              <a:solidFill>
-                <a:schemeClr val="tx1"/>
-              </a:solidFill>
-              <a:latin typeface="Times New Roman" panose="02020603050405020304" pitchFamily="18" charset="0"/>
-              <a:ea typeface="+mn-ea"/>
-            </a:endParaRPr>
+              <a:t>for each layup of the laminates.</a:t>
+            </a:r>
           </a:p>
         </p:txBody>
       </p:sp>
       <p:sp>
         <p:nvSpPr>
-          <p:cNvPr id="6" name="矩形 5"/>
+          <p:cNvPr id="11" name="矩形 10"/>
           <p:cNvSpPr/>
           <p:nvPr/>
         </p:nvSpPr>
         <p:spPr>
           <a:xfrm>
-            <a:off x="-38556" y="4221088"/>
-            <a:ext cx="9182556" cy="2185214"/>
+            <a:off x="-5308" y="5323663"/>
+            <a:ext cx="9182556" cy="1938992"/>
           </a:xfrm>
           <a:prstGeom prst="rect">
             <a:avLst/>
@@ -9729,18 +9719,18 @@
           <a:lstStyle/>
           <a:p>
             <a:r>
-              <a:rPr lang="en-US" altLang="zh-CN" sz="2400" dirty="0" smtClean="0">
+              <a:rPr lang="en-US" altLang="zh-CN" sz="2000" dirty="0" smtClean="0">
                 <a:latin typeface="Times New Roman" panose="02020603050405020304" pitchFamily="18" charset="0"/>
                 <a:cs typeface="Times New Roman" panose="02020603050405020304" pitchFamily="18" charset="0"/>
               </a:rPr>
               <a:t>Future </a:t>
             </a:r>
             <a:r>
-              <a:rPr lang="en-US" altLang="zh-CN" sz="2400" dirty="0" smtClean="0">
+              <a:rPr lang="en-US" altLang="zh-CN" sz="2000" dirty="0">
                 <a:latin typeface="Times New Roman" panose="02020603050405020304" pitchFamily="18" charset="0"/>
                 <a:cs typeface="Times New Roman" panose="02020603050405020304" pitchFamily="18" charset="0"/>
               </a:rPr>
-              <a:t>task</a:t>
+              <a:t>work</a:t>
             </a:r>
             <a:r>
               <a:rPr lang="zh-CN" altLang="en-US" sz="2400" dirty="0" smtClean="0">
@@ -9773,14 +9763,49 @@
               <a:t>、</a:t>
             </a:r>
             <a:r>
-              <a:rPr lang="en-US" altLang="zh-CN" sz="1600" smtClean="0">
+              <a:rPr lang="en-US" altLang="zh-CN" sz="1400" dirty="0" smtClean="0">
                 <a:latin typeface="Times New Roman" panose="02020603050405020304" pitchFamily="18" charset="0"/>
                 <a:cs typeface="Times New Roman" panose="02020603050405020304" pitchFamily="18" charset="0"/>
                 <a:sym typeface="+mn-ea"/>
               </a:rPr>
-              <a:t>paper and thesis</a:t>
-            </a:r>
-            <a:endParaRPr lang="en-US" altLang="zh-CN" sz="1600" dirty="0" smtClean="0">
+              <a:t>paper and </a:t>
+            </a:r>
+            <a:r>
+              <a:rPr lang="en-US" altLang="zh-CN" sz="1400" dirty="0" smtClean="0">
+                <a:latin typeface="Times New Roman" panose="02020603050405020304" pitchFamily="18" charset="0"/>
+                <a:cs typeface="Times New Roman" panose="02020603050405020304" pitchFamily="18" charset="0"/>
+                <a:sym typeface="+mn-ea"/>
+              </a:rPr>
+              <a:t>thesis</a:t>
+            </a:r>
+          </a:p>
+          <a:p>
+            <a:pPr eaLnBrk="1" hangingPunct="1"/>
+            <a:r>
+              <a:rPr lang="en-US" altLang="zh-CN" sz="1400" dirty="0" smtClean="0">
+                <a:latin typeface="Times New Roman" panose="02020603050405020304" pitchFamily="18" charset="0"/>
+                <a:cs typeface="Times New Roman" panose="02020603050405020304" pitchFamily="18" charset="0"/>
+                <a:sym typeface="+mn-ea"/>
+              </a:rPr>
+              <a:t>2</a:t>
+            </a:r>
+            <a:r>
+              <a:rPr lang="zh-CN" altLang="en-US" sz="1400" dirty="0" smtClean="0">
+                <a:latin typeface="Times New Roman" panose="02020603050405020304" pitchFamily="18" charset="0"/>
+                <a:cs typeface="Times New Roman" panose="02020603050405020304" pitchFamily="18" charset="0"/>
+                <a:sym typeface="+mn-ea"/>
+              </a:rPr>
+              <a:t>、</a:t>
+            </a:r>
+            <a:r>
+              <a:rPr lang="en-US" altLang="zh-CN" sz="1400" dirty="0" smtClean="0">
+                <a:latin typeface="Times New Roman" panose="02020603050405020304" pitchFamily="18" charset="0"/>
+                <a:cs typeface="Times New Roman" panose="02020603050405020304" pitchFamily="18" charset="0"/>
+                <a:sym typeface="+mn-ea"/>
+              </a:rPr>
+              <a:t>calculate the T700 laminates including the quasi-isotropic layup</a:t>
+            </a:r>
+            <a:endParaRPr lang="en-US" altLang="zh-CN" sz="1400" dirty="0" smtClean="0">
               <a:latin typeface="Times New Roman" panose="02020603050405020304" pitchFamily="18" charset="0"/>
               <a:cs typeface="Times New Roman" panose="02020603050405020304" pitchFamily="18" charset="0"/>
               <a:sym typeface="+mn-ea"/>
@@ -9789,7 +9814,7 @@
           <a:p>
             <a:pPr eaLnBrk="1" hangingPunct="1"/>
             <a:r>
-              <a:rPr lang="en-US" altLang="zh-CN" sz="1600" dirty="0" smtClean="0">
+              <a:rPr lang="en-US" altLang="zh-CN" sz="1400" dirty="0" smtClean="0">
                 <a:solidFill>
                   <a:srgbClr val="000000"/>
                 </a:solidFill>
@@ -9800,7 +9825,7 @@
               <a:t>2</a:t>
             </a:r>
             <a:r>
-              <a:rPr lang="zh-CN" altLang="en-US" sz="1600" dirty="0" smtClean="0">
+              <a:rPr lang="zh-CN" altLang="en-US" sz="1400" dirty="0" smtClean="0">
                 <a:solidFill>
                   <a:srgbClr val="000000"/>
                 </a:solidFill>
@@ -9811,26 +9836,76 @@
               <a:t>、</a:t>
             </a:r>
             <a:r>
-              <a:rPr lang="en-US" altLang="zh-CN" sz="1600" dirty="0" smtClean="0">
+              <a:rPr lang="en-US" altLang="zh-CN" sz="1400" dirty="0" smtClean="0">
                 <a:solidFill>
                   <a:srgbClr val="000000"/>
                 </a:solidFill>
                 <a:latin typeface="Times New Roman" panose="02020603050405020304" pitchFamily="18" charset="0"/>
                 <a:cs typeface="Times New Roman" panose="02020603050405020304" pitchFamily="18" charset="0"/>
               </a:rPr>
-              <a:t>stress </a:t>
-            </a:r>
-            <a:r>
-              <a:rPr lang="en-US" altLang="zh-CN" sz="1600" dirty="0">
+              <a:t>bulking </a:t>
+            </a:r>
+            <a:r>
+              <a:rPr lang="en-US" altLang="zh-CN" sz="1400" dirty="0">
                 <a:solidFill>
                   <a:srgbClr val="000000"/>
                 </a:solidFill>
                 <a:latin typeface="Times New Roman" panose="02020603050405020304" pitchFamily="18" charset="0"/>
                 <a:cs typeface="Times New Roman" panose="02020603050405020304" pitchFamily="18" charset="0"/>
               </a:rPr>
-              <a:t>concentration factor</a:t>
-            </a:r>
-            <a:endParaRPr lang="zh-CN" altLang="en-US" sz="1600" dirty="0">
+              <a:t>and failure(optimize and design for composite </a:t>
+            </a:r>
+            <a:r>
+              <a:rPr lang="en-US" altLang="zh-CN" sz="1400" dirty="0" smtClean="0">
+                <a:solidFill>
+                  <a:srgbClr val="000000"/>
+                </a:solidFill>
+                <a:latin typeface="Times New Roman" panose="02020603050405020304" pitchFamily="18" charset="0"/>
+                <a:cs typeface="Times New Roman" panose="02020603050405020304" pitchFamily="18" charset="0"/>
+              </a:rPr>
+              <a:t>laminates)</a:t>
+            </a:r>
+            <a:r>
+              <a:rPr lang="zh-CN" altLang="en-US" sz="1400" dirty="0" smtClean="0">
+                <a:solidFill>
+                  <a:srgbClr val="000000"/>
+                </a:solidFill>
+                <a:latin typeface="Times New Roman" panose="02020603050405020304" pitchFamily="18" charset="0"/>
+                <a:cs typeface="Times New Roman" panose="02020603050405020304" pitchFamily="18" charset="0"/>
+              </a:rPr>
+              <a:t>，</a:t>
+            </a:r>
+            <a:r>
+              <a:rPr lang="en-US" altLang="zh-CN" sz="1400" dirty="0" smtClean="0">
+                <a:solidFill>
+                  <a:srgbClr val="000000"/>
+                </a:solidFill>
+                <a:latin typeface="Times New Roman" panose="02020603050405020304" pitchFamily="18" charset="0"/>
+                <a:cs typeface="Times New Roman" panose="02020603050405020304" pitchFamily="18" charset="0"/>
+              </a:rPr>
+              <a:t>cohesive </a:t>
+            </a:r>
+            <a:r>
+              <a:rPr lang="en-US" altLang="zh-CN" sz="1400" dirty="0" smtClean="0">
+                <a:solidFill>
+                  <a:srgbClr val="000000"/>
+                </a:solidFill>
+                <a:latin typeface="Times New Roman" panose="02020603050405020304" pitchFamily="18" charset="0"/>
+                <a:cs typeface="Times New Roman" panose="02020603050405020304" pitchFamily="18" charset="0"/>
+              </a:rPr>
+              <a:t>element</a:t>
+            </a:r>
+            <a:r>
+              <a:rPr lang="zh-CN" altLang="en-US" sz="1400" dirty="0" smtClean="0">
+                <a:solidFill>
+                  <a:srgbClr val="000000"/>
+                </a:solidFill>
+                <a:latin typeface="Times New Roman" panose="02020603050405020304" pitchFamily="18" charset="0"/>
+                <a:cs typeface="Times New Roman" panose="02020603050405020304" pitchFamily="18" charset="0"/>
+              </a:rPr>
+              <a:t> </a:t>
+            </a:r>
+            <a:endParaRPr lang="zh-CN" altLang="en-US" sz="1400" dirty="0">
               <a:solidFill>
                 <a:srgbClr val="000000"/>
               </a:solidFill>
@@ -9839,92 +9914,160 @@
             </a:endParaRPr>
           </a:p>
           <a:p>
-            <a:r>
-              <a:rPr lang="en-US" altLang="zh-CN" sz="1600" dirty="0">
+            <a:endParaRPr lang="en-US" altLang="zh-CN" sz="2400" dirty="0">
+              <a:latin typeface="Times New Roman" panose="02020603050405020304" pitchFamily="18" charset="0"/>
+              <a:cs typeface="Times New Roman" panose="02020603050405020304" pitchFamily="18" charset="0"/>
+            </a:endParaRPr>
+          </a:p>
+          <a:p>
+            <a:endParaRPr lang="zh-CN" altLang="en-US" sz="2400" dirty="0" smtClean="0">
+              <a:latin typeface="Times New Roman" panose="02020603050405020304" pitchFamily="18" charset="0"/>
+              <a:cs typeface="Times New Roman" panose="02020603050405020304" pitchFamily="18" charset="0"/>
+            </a:endParaRPr>
+          </a:p>
+        </p:txBody>
+      </p:sp>
+      <p:sp>
+        <p:nvSpPr>
+          <p:cNvPr id="12" name="矩形 11"/>
+          <p:cNvSpPr/>
+          <p:nvPr/>
+        </p:nvSpPr>
+        <p:spPr>
+          <a:xfrm>
+            <a:off x="19472" y="2900681"/>
+            <a:ext cx="9182556" cy="1200329"/>
+          </a:xfrm>
+          <a:prstGeom prst="rect">
+            <a:avLst/>
+          </a:prstGeom>
+        </p:spPr>
+        <p:txBody>
+          <a:bodyPr wrap="square">
+            <a:spAutoFit/>
+          </a:bodyPr>
+          <a:lstStyle/>
+          <a:p>
+            <a:r>
+              <a:rPr lang="en-US" altLang="zh-CN" sz="2000" dirty="0" smtClean="0">
                 <a:latin typeface="Times New Roman" panose="02020603050405020304" pitchFamily="18" charset="0"/>
                 <a:cs typeface="Times New Roman" panose="02020603050405020304" pitchFamily="18" charset="0"/>
               </a:rPr>
-              <a:t>3</a:t>
-            </a:r>
-            <a:r>
-              <a:rPr lang="zh-CN" altLang="en-US" sz="1600" dirty="0" smtClean="0">
+              <a:t>Problem</a:t>
+            </a:r>
+            <a:r>
+              <a:rPr lang="zh-CN" altLang="en-US" sz="2000" dirty="0" smtClean="0">
                 <a:latin typeface="Times New Roman" panose="02020603050405020304" pitchFamily="18" charset="0"/>
                 <a:cs typeface="Times New Roman" panose="02020603050405020304" pitchFamily="18" charset="0"/>
               </a:rPr>
+              <a:t>：</a:t>
+            </a:r>
+            <a:endParaRPr lang="en-US" altLang="zh-CN" sz="2000" dirty="0" smtClean="0">
+              <a:latin typeface="Times New Roman" panose="02020603050405020304" pitchFamily="18" charset="0"/>
+              <a:cs typeface="Times New Roman" panose="02020603050405020304" pitchFamily="18" charset="0"/>
+            </a:endParaRPr>
+          </a:p>
+          <a:p>
+            <a:pPr eaLnBrk="1" hangingPunct="1"/>
+            <a:r>
+              <a:rPr lang="en-US" altLang="zh-CN" sz="1400" dirty="0">
+                <a:latin typeface="Times New Roman" panose="02020603050405020304" pitchFamily="18" charset="0"/>
+                <a:cs typeface="Times New Roman" panose="02020603050405020304" pitchFamily="18" charset="0"/>
+                <a:sym typeface="+mn-ea"/>
+              </a:rPr>
+              <a:t>1</a:t>
+            </a:r>
+            <a:r>
+              <a:rPr lang="zh-CN" altLang="en-US" sz="1400" dirty="0" smtClean="0">
+                <a:latin typeface="Times New Roman" panose="02020603050405020304" pitchFamily="18" charset="0"/>
+                <a:cs typeface="Times New Roman" panose="02020603050405020304" pitchFamily="18" charset="0"/>
+                <a:sym typeface="+mn-ea"/>
+              </a:rPr>
               <a:t>、</a:t>
             </a:r>
             <a:r>
-              <a:rPr lang="en-US" altLang="zh-CN" sz="1600" dirty="0">
+              <a:rPr lang="en-US" altLang="zh-CN" sz="1400" dirty="0" smtClean="0">
+                <a:latin typeface="Times New Roman" panose="02020603050405020304" pitchFamily="18" charset="0"/>
+                <a:cs typeface="Times New Roman" panose="02020603050405020304" pitchFamily="18" charset="0"/>
+                <a:sym typeface="+mn-ea"/>
+              </a:rPr>
+              <a:t>The failure evolution of the </a:t>
+            </a:r>
+            <a:r>
+              <a:rPr lang="en-US" altLang="zh-CN" sz="1400" kern="100" dirty="0">
+                <a:latin typeface="Times New Roman" panose="02020603050405020304" pitchFamily="18" charset="0"/>
+                <a:cs typeface="Times New Roman" panose="02020603050405020304" pitchFamily="18" charset="0"/>
+                <a:sym typeface="+mn-ea"/>
+              </a:rPr>
+              <a:t>[0]</a:t>
+            </a:r>
+            <a:r>
+              <a:rPr lang="en-US" altLang="zh-CN" sz="1400" kern="100" baseline="-25000" dirty="0">
+                <a:latin typeface="Times New Roman" panose="02020603050405020304" pitchFamily="18" charset="0"/>
+                <a:cs typeface="Times New Roman" panose="02020603050405020304" pitchFamily="18" charset="0"/>
+                <a:sym typeface="+mn-ea"/>
+              </a:rPr>
+              <a:t>10 </a:t>
+            </a:r>
+            <a:r>
+              <a:rPr lang="en-US" altLang="zh-CN" sz="1400" dirty="0" smtClean="0">
+                <a:latin typeface="Times New Roman" panose="02020603050405020304" pitchFamily="18" charset="0"/>
+                <a:cs typeface="Times New Roman" panose="02020603050405020304" pitchFamily="18" charset="0"/>
+              </a:rPr>
+              <a:t> layup laminate doesn’t correlate well with the experiment</a:t>
+            </a:r>
+            <a:endParaRPr lang="en-US" altLang="zh-CN" sz="1400" dirty="0" smtClean="0">
+              <a:latin typeface="Times New Roman" panose="02020603050405020304" pitchFamily="18" charset="0"/>
+              <a:cs typeface="Times New Roman" panose="02020603050405020304" pitchFamily="18" charset="0"/>
+              <a:sym typeface="+mn-ea"/>
+            </a:endParaRPr>
+          </a:p>
+          <a:p>
+            <a:pPr eaLnBrk="1" hangingPunct="1"/>
+            <a:r>
+              <a:rPr lang="en-US" altLang="zh-CN" sz="1400" dirty="0" smtClean="0">
                 <a:solidFill>
                   <a:srgbClr val="000000"/>
                 </a:solidFill>
                 <a:latin typeface="Times New Roman" panose="02020603050405020304" pitchFamily="18" charset="0"/>
                 <a:cs typeface="Times New Roman" panose="02020603050405020304" pitchFamily="18" charset="0"/>
-              </a:rPr>
-              <a:t>bulking and failure(optimize and design for composite </a:t>
-            </a:r>
-            <a:r>
-              <a:rPr lang="en-US" altLang="zh-CN" sz="1600" dirty="0" smtClean="0">
+                <a:sym typeface="+mn-ea"/>
+              </a:rPr>
+              <a:t>2</a:t>
+            </a:r>
+            <a:r>
+              <a:rPr lang="zh-CN" altLang="en-US" sz="1400" dirty="0" smtClean="0">
                 <a:solidFill>
                   <a:srgbClr val="000000"/>
                 </a:solidFill>
                 <a:latin typeface="Times New Roman" panose="02020603050405020304" pitchFamily="18" charset="0"/>
                 <a:cs typeface="Times New Roman" panose="02020603050405020304" pitchFamily="18" charset="0"/>
-              </a:rPr>
-              <a:t>laminates)</a:t>
-            </a:r>
-          </a:p>
-          <a:p>
-            <a:r>
-              <a:rPr lang="en-US" altLang="zh-CN" sz="1600" dirty="0">
-                <a:solidFill>
-                  <a:srgbClr val="000000"/>
-                </a:solidFill>
+                <a:sym typeface="+mn-ea"/>
+              </a:rPr>
+              <a:t>、</a:t>
+            </a:r>
+            <a:r>
+              <a:rPr lang="en-US" altLang="zh-CN" sz="1400" dirty="0" smtClean="0">
                 <a:latin typeface="Times New Roman" panose="02020603050405020304" pitchFamily="18" charset="0"/>
                 <a:cs typeface="Times New Roman" panose="02020603050405020304" pitchFamily="18" charset="0"/>
               </a:rPr>
-              <a:t>4</a:t>
-            </a:r>
-            <a:r>
-              <a:rPr lang="zh-CN" altLang="en-US" sz="1600" dirty="0" smtClean="0">
-                <a:solidFill>
-                  <a:srgbClr val="000000"/>
-                </a:solidFill>
+              <a:t>The </a:t>
+            </a:r>
+            <a:r>
+              <a:rPr lang="en-US" altLang="zh-CN" sz="1400" dirty="0">
                 <a:latin typeface="Times New Roman" panose="02020603050405020304" pitchFamily="18" charset="0"/>
                 <a:cs typeface="Times New Roman" panose="02020603050405020304" pitchFamily="18" charset="0"/>
               </a:rPr>
-              <a:t>、</a:t>
-            </a:r>
-            <a:r>
-              <a:rPr lang="en-US" altLang="zh-CN" sz="1600" dirty="0" smtClean="0">
-                <a:solidFill>
-                  <a:srgbClr val="000000"/>
-                </a:solidFill>
+              <a:t>load of the curve doesn't drop in the simulation </a:t>
+            </a:r>
+            <a:r>
+              <a:rPr lang="en-US" altLang="zh-CN" sz="1400" dirty="0" smtClean="0">
                 <a:latin typeface="Times New Roman" panose="02020603050405020304" pitchFamily="18" charset="0"/>
                 <a:cs typeface="Times New Roman" panose="02020603050405020304" pitchFamily="18" charset="0"/>
               </a:rPr>
-              <a:t>cohesive element</a:t>
-            </a:r>
-            <a:r>
-              <a:rPr lang="zh-CN" altLang="en-US" sz="1600" dirty="0" smtClean="0">
-                <a:solidFill>
-                  <a:srgbClr val="000000"/>
-                </a:solidFill>
-                <a:latin typeface="Times New Roman" panose="02020603050405020304" pitchFamily="18" charset="0"/>
-                <a:cs typeface="Times New Roman" panose="02020603050405020304" pitchFamily="18" charset="0"/>
-              </a:rPr>
-              <a:t> </a:t>
-            </a:r>
-            <a:endParaRPr lang="zh-CN" altLang="en-US" sz="1600" dirty="0">
-              <a:solidFill>
-                <a:srgbClr val="000000"/>
-              </a:solidFill>
-              <a:latin typeface="Times New Roman" panose="02020603050405020304" pitchFamily="18" charset="0"/>
-              <a:cs typeface="Times New Roman" panose="02020603050405020304" pitchFamily="18" charset="0"/>
-            </a:endParaRPr>
-          </a:p>
-          <a:p>
-            <a:endParaRPr lang="en-US" altLang="zh-CN" sz="2400" dirty="0">
+              <a:t>result after using the shear nonlinearity.</a:t>
+            </a:r>
+            <a:endParaRPr lang="en-US" altLang="zh-CN" sz="1400" dirty="0">
               <a:latin typeface="Times New Roman" panose="02020603050405020304" pitchFamily="18" charset="0"/>
               <a:cs typeface="Times New Roman" panose="02020603050405020304" pitchFamily="18" charset="0"/>
             </a:endParaRPr>
@@ -9937,6 +10080,118 @@
           </a:p>
         </p:txBody>
       </p:sp>
+      <p:pic>
+        <p:nvPicPr>
+          <p:cNvPr id="13" name="图片 12"/>
+          <p:cNvPicPr>
+            <a:picLocks noChangeAspect="1"/>
+          </p:cNvPicPr>
+          <p:nvPr/>
+        </p:nvPicPr>
+        <p:blipFill>
+          <a:blip r:embed="rId3" cstate="print">
+            <a:extLst>
+              <a:ext uri="{28A0092B-C50C-407E-A947-70E740481C1C}">
+                <a14:useLocalDpi xmlns:a14="http://schemas.microsoft.com/office/drawing/2010/main" val="0"/>
+              </a:ext>
+            </a:extLst>
+          </a:blip>
+          <a:stretch>
+            <a:fillRect/>
+          </a:stretch>
+        </p:blipFill>
+        <p:spPr>
+          <a:xfrm>
+            <a:off x="523538" y="3725108"/>
+            <a:ext cx="1708709" cy="1512168"/>
+          </a:xfrm>
+          <a:prstGeom prst="rect">
+            <a:avLst/>
+          </a:prstGeom>
+        </p:spPr>
+      </p:pic>
+      <p:pic>
+        <p:nvPicPr>
+          <p:cNvPr id="14" name="图片 13"/>
+          <p:cNvPicPr>
+            <a:picLocks noChangeAspect="1"/>
+          </p:cNvPicPr>
+          <p:nvPr/>
+        </p:nvPicPr>
+        <p:blipFill>
+          <a:blip r:embed="rId4" cstate="print">
+            <a:extLst>
+              <a:ext uri="{28A0092B-C50C-407E-A947-70E740481C1C}">
+                <a14:useLocalDpi xmlns:a14="http://schemas.microsoft.com/office/drawing/2010/main" val="0"/>
+              </a:ext>
+            </a:extLst>
+          </a:blip>
+          <a:stretch>
+            <a:fillRect/>
+          </a:stretch>
+        </p:blipFill>
+        <p:spPr>
+          <a:xfrm>
+            <a:off x="2467754" y="3759635"/>
+            <a:ext cx="1733703" cy="1530694"/>
+          </a:xfrm>
+          <a:prstGeom prst="rect">
+            <a:avLst/>
+          </a:prstGeom>
+        </p:spPr>
+      </p:pic>
+      <p:pic>
+        <p:nvPicPr>
+          <p:cNvPr id="15" name="图片 14"/>
+          <p:cNvPicPr>
+            <a:picLocks noChangeAspect="1"/>
+          </p:cNvPicPr>
+          <p:nvPr/>
+        </p:nvPicPr>
+        <p:blipFill>
+          <a:blip r:embed="rId5" cstate="print">
+            <a:extLst>
+              <a:ext uri="{28A0092B-C50C-407E-A947-70E740481C1C}">
+                <a14:useLocalDpi xmlns:a14="http://schemas.microsoft.com/office/drawing/2010/main" val="0"/>
+              </a:ext>
+            </a:extLst>
+          </a:blip>
+          <a:stretch>
+            <a:fillRect/>
+          </a:stretch>
+        </p:blipFill>
+        <p:spPr>
+          <a:xfrm>
+            <a:off x="4433448" y="3759635"/>
+            <a:ext cx="1690770" cy="1512168"/>
+          </a:xfrm>
+          <a:prstGeom prst="rect">
+            <a:avLst/>
+          </a:prstGeom>
+        </p:spPr>
+      </p:pic>
+      <p:pic>
+        <p:nvPicPr>
+          <p:cNvPr id="16" name="图片 15"/>
+          <p:cNvPicPr/>
+          <p:nvPr/>
+        </p:nvPicPr>
+        <p:blipFill>
+          <a:blip r:embed="rId6"/>
+          <a:stretch>
+            <a:fillRect/>
+          </a:stretch>
+        </p:blipFill>
+        <p:spPr>
+          <a:xfrm>
+            <a:off x="6356209" y="3745595"/>
+            <a:ext cx="1770698" cy="1489720"/>
+          </a:xfrm>
+          <a:prstGeom prst="rect">
+            <a:avLst/>
+          </a:prstGeom>
+        </p:spPr>
+      </p:pic>
     </p:spTree>
   </p:cSld>
   <p:clrMapOvr>
@@ -10286,10 +10541,6 @@
               </a:rPr>
               <a:t> </a:t>
             </a:r>
-            <a:endParaRPr lang="en-US" altLang="zh-CN" sz="2800" dirty="0" smtClean="0">
-              <a:latin typeface="Times New Roman" panose="02020603050405020304" pitchFamily="18" charset="0"/>
-              <a:cs typeface="Times New Roman" panose="02020603050405020304" pitchFamily="18" charset="0"/>
-            </a:endParaRPr>
           </a:p>
         </p:txBody>
       </p:sp>
@@ -14236,7 +14487,7 @@
           <a:graphicData uri="http://schemas.openxmlformats.org/presentationml/2006/ole">
             <mc:AlternateContent xmlns:mc="http://schemas.openxmlformats.org/markup-compatibility/2006">
               <mc:Choice xmlns:v="urn:schemas-microsoft-com:vml" Requires="v">
-                <p:oleObj spid="_x0000_s1231" r:id="rId4" imgW="1270000" imgH="889000" progId="Equation.KSEE3">
+                <p:oleObj spid="_x0000_s1276" r:id="rId4" imgW="1270000" imgH="889000" progId="Equation.KSEE3">
                   <p:embed/>
                 </p:oleObj>
               </mc:Choice>
@@ -14289,7 +14540,7 @@
           <a:graphicData uri="http://schemas.openxmlformats.org/presentationml/2006/ole">
             <mc:AlternateContent xmlns:mc="http://schemas.openxmlformats.org/markup-compatibility/2006">
               <mc:Choice xmlns:v="urn:schemas-microsoft-com:vml" Requires="v">
-                <p:oleObj spid="_x0000_s1232" r:id="rId6" imgW="2705100" imgH="965200" progId="Equation.KSEE3">
+                <p:oleObj spid="_x0000_s1277" r:id="rId6" imgW="2705100" imgH="965200" progId="Equation.KSEE3">
                   <p:embed/>
                 </p:oleObj>
               </mc:Choice>
@@ -14342,7 +14593,7 @@
           <a:graphicData uri="http://schemas.openxmlformats.org/presentationml/2006/ole">
             <mc:AlternateContent xmlns:mc="http://schemas.openxmlformats.org/markup-compatibility/2006">
               <mc:Choice xmlns:v="urn:schemas-microsoft-com:vml" Requires="v">
-                <p:oleObj spid="_x0000_s1233" r:id="rId8" imgW="405765" imgH="228600" progId="Equation.KSEE3">
+                <p:oleObj spid="_x0000_s1278" r:id="rId8" imgW="405765" imgH="228600" progId="Equation.KSEE3">
                   <p:embed/>
                 </p:oleObj>
               </mc:Choice>
@@ -14444,7 +14695,7 @@
           <a:graphicData uri="http://schemas.openxmlformats.org/presentationml/2006/ole">
             <mc:AlternateContent xmlns:mc="http://schemas.openxmlformats.org/markup-compatibility/2006">
               <mc:Choice xmlns:v="urn:schemas-microsoft-com:vml" Requires="v">
-                <p:oleObj spid="_x0000_s1234" r:id="rId10" imgW="405765" imgH="228600" progId="Equation.KSEE3">
+                <p:oleObj spid="_x0000_s1279" r:id="rId10" imgW="405765" imgH="228600" progId="Equation.KSEE3">
                   <p:embed/>
                 </p:oleObj>
               </mc:Choice>
@@ -14497,7 +14748,7 @@
           <a:graphicData uri="http://schemas.openxmlformats.org/presentationml/2006/ole">
             <mc:AlternateContent xmlns:mc="http://schemas.openxmlformats.org/markup-compatibility/2006">
               <mc:Choice xmlns:v="urn:schemas-microsoft-com:vml" Requires="v">
-                <p:oleObj spid="_x0000_s1235" r:id="rId12" imgW="571500" imgH="228600" progId="Equation.KSEE3">
+                <p:oleObj spid="_x0000_s1280" r:id="rId12" imgW="571500" imgH="228600" progId="Equation.KSEE3">
                   <p:embed/>
                 </p:oleObj>
               </mc:Choice>
